--- a/materials/slides/ch02.pptx
+++ b/materials/slides/ch02.pptx
@@ -35,20 +35,20 @@
   <p:notesSz cx="6858000" cy="9144000"/>
   <p:embeddedFontLst>
     <p:embeddedFont>
-      <p:font typeface="微软雅黑" panose="020B0503020204020204" pitchFamily="34" charset="-122"/>
+      <p:font typeface="Calibri" panose="020F0502020204030204" pitchFamily="34" charset="0"/>
       <p:regular r:id="rId25"/>
       <p:bold r:id="rId26"/>
-    </p:embeddedFont>
-    <p:embeddedFont>
-      <p:font typeface="Calibri" panose="020F0502020204030204" pitchFamily="34" charset="0"/>
-      <p:regular r:id="rId27"/>
-      <p:bold r:id="rId28"/>
-      <p:italic r:id="rId29"/>
-      <p:boldItalic r:id="rId30"/>
+      <p:italic r:id="rId27"/>
+      <p:boldItalic r:id="rId28"/>
     </p:embeddedFont>
     <p:embeddedFont>
       <p:font typeface="黑体" panose="02010609060101010101" pitchFamily="49" charset="-122"/>
-      <p:regular r:id="rId31"/>
+      <p:regular r:id="rId29"/>
+    </p:embeddedFont>
+    <p:embeddedFont>
+      <p:font typeface="微软雅黑" panose="020B0503020204020204" pitchFamily="34" charset="-122"/>
+      <p:regular r:id="rId30"/>
+      <p:bold r:id="rId31"/>
     </p:embeddedFont>
   </p:embeddedFontLst>
   <p:defaultTextStyle>
@@ -193,10 +193,6 @@
     </p:ext>
   </p:extLst>
 </p:presentation>
-</file>
-
-<file path=ppt/revisionInfo.xml><?xml version="1.0" encoding="utf-8"?>
-<p1510:revInfo xmlns:a="http://schemas.openxmlformats.org/drawingml/2006/main" xmlns:r="http://schemas.openxmlformats.org/officeDocument/2006/relationships" xmlns:p1510="http://schemas.microsoft.com/office/powerpoint/2015/10/main"/>
 </file>
 
 <file path=ppt/ink/ink1.xml><?xml version="1.0" encoding="utf-8"?>
@@ -403,7 +399,7 @@
               <a:pPr>
                 <a:defRPr/>
               </a:pPr>
-              <a:t>2018/2/5</a:t>
+              <a:t>2019/7/16</a:t>
             </a:fld>
             <a:endParaRPr lang="zh-CN" altLang="en-US"/>
           </a:p>
@@ -1363,7 +1359,7 @@
           <a:graphicData uri="http://schemas.openxmlformats.org/presentationml/2006/ole">
             <mc:AlternateContent xmlns:mc="http://schemas.openxmlformats.org/markup-compatibility/2006">
               <mc:Choice xmlns:v="urn:schemas-microsoft-com:vml" Requires="v">
-                <p:oleObj spid="_x0000_s46097" r:id="rId4" imgW="7222617" imgH="1138809" progId="">
+                <p:oleObj spid="_x0000_s46098" r:id="rId4" imgW="7222617" imgH="1138809" progId="">
                   <p:embed/>
                 </p:oleObj>
               </mc:Choice>
@@ -1561,8 +1557,8 @@
           </a:p>
         </p:txBody>
       </p:sp>
-      <mc:AlternateContent xmlns:mc="http://schemas.openxmlformats.org/markup-compatibility/2006">
-        <mc:Choice xmlns:p14="http://schemas.microsoft.com/office/powerpoint/2010/main" Requires="p14">
+      <mc:AlternateContent xmlns:mc="http://schemas.openxmlformats.org/markup-compatibility/2006" xmlns:p14="http://schemas.microsoft.com/office/powerpoint/2010/main">
+        <mc:Choice Requires="p14">
           <p:contentPart p14:bwMode="auto" r:id="rId6">
             <p14:nvContentPartPr>
               <p14:cNvPr id="2" name="墨迹 1"/>
@@ -1575,7 +1571,7 @@
             </p14:xfrm>
           </p:contentPart>
         </mc:Choice>
-        <mc:Fallback>
+        <mc:Fallback xmlns="">
           <p:pic>
             <p:nvPicPr>
               <p:cNvPr id="2" name="墨迹 1"/>
@@ -1730,7 +1726,7 @@
               <a:pPr>
                 <a:defRPr/>
               </a:pPr>
-              <a:t>2018/2/5</a:t>
+              <a:t>2019/7/16</a:t>
             </a:fld>
             <a:endParaRPr lang="zh-CN" altLang="en-US"/>
           </a:p>
@@ -1935,7 +1931,7 @@
               <a:pPr>
                 <a:defRPr/>
               </a:pPr>
-              <a:t>2018/2/5</a:t>
+              <a:t>2019/7/16</a:t>
             </a:fld>
             <a:endParaRPr lang="zh-CN" altLang="en-US"/>
           </a:p>
@@ -2100,7 +2096,7 @@
           <a:graphicData uri="http://schemas.openxmlformats.org/presentationml/2006/ole">
             <mc:AlternateContent xmlns:mc="http://schemas.openxmlformats.org/markup-compatibility/2006">
               <mc:Choice xmlns:v="urn:schemas-microsoft-com:vml" Requires="v">
-                <p:oleObj spid="_x0000_s51217" r:id="rId4" imgW="7222617" imgH="1138809" progId="">
+                <p:oleObj spid="_x0000_s51218" r:id="rId4" imgW="7222617" imgH="1138809" progId="">
                   <p:embed/>
                 </p:oleObj>
               </mc:Choice>
@@ -2532,7 +2528,7 @@
           <a:graphicData uri="http://schemas.openxmlformats.org/presentationml/2006/ole">
             <mc:AlternateContent xmlns:mc="http://schemas.openxmlformats.org/markup-compatibility/2006">
               <mc:Choice xmlns:v="urn:schemas-microsoft-com:vml" Requires="v">
-                <p:oleObj spid="_x0000_s47121" r:id="rId4" imgW="7222617" imgH="1138809" progId="">
+                <p:oleObj spid="_x0000_s47122" r:id="rId4" imgW="7222617" imgH="1138809" progId="">
                   <p:embed/>
                 </p:oleObj>
               </mc:Choice>
@@ -2953,7 +2949,7 @@
           <a:graphicData uri="http://schemas.openxmlformats.org/presentationml/2006/ole">
             <mc:AlternateContent xmlns:mc="http://schemas.openxmlformats.org/markup-compatibility/2006">
               <mc:Choice xmlns:v="urn:schemas-microsoft-com:vml" Requires="v">
-                <p:oleObj spid="_x0000_s48145" r:id="rId4" imgW="7222617" imgH="1138809" progId="">
+                <p:oleObj spid="_x0000_s48146" r:id="rId4" imgW="7222617" imgH="1138809" progId="">
                   <p:embed/>
                 </p:oleObj>
               </mc:Choice>
@@ -3358,7 +3354,7 @@
           <a:graphicData uri="http://schemas.openxmlformats.org/presentationml/2006/ole">
             <mc:AlternateContent xmlns:mc="http://schemas.openxmlformats.org/markup-compatibility/2006">
               <mc:Choice xmlns:v="urn:schemas-microsoft-com:vml" Requires="v">
-                <p:oleObj spid="_x0000_s49169" r:id="rId4" imgW="7222617" imgH="1138809" progId="">
+                <p:oleObj spid="_x0000_s49170" r:id="rId4" imgW="7222617" imgH="1138809" progId="">
                   <p:embed/>
                 </p:oleObj>
               </mc:Choice>
@@ -3777,7 +3773,7 @@
               <a:pPr>
                 <a:defRPr/>
               </a:pPr>
-              <a:t>2018/2/5</a:t>
+              <a:t>2019/7/16</a:t>
             </a:fld>
             <a:endParaRPr lang="zh-CN" altLang="en-US"/>
           </a:p>
@@ -4223,7 +4219,7 @@
               <a:pPr>
                 <a:defRPr/>
               </a:pPr>
-              <a:t>2018/2/5</a:t>
+              <a:t>2019/7/16</a:t>
             </a:fld>
             <a:endParaRPr lang="zh-CN" altLang="en-US"/>
           </a:p>
@@ -4388,7 +4384,7 @@
           <a:graphicData uri="http://schemas.openxmlformats.org/presentationml/2006/ole">
             <mc:AlternateContent xmlns:mc="http://schemas.openxmlformats.org/markup-compatibility/2006">
               <mc:Choice xmlns:v="urn:schemas-microsoft-com:vml" Requires="v">
-                <p:oleObj spid="_x0000_s50193" r:id="rId4" imgW="7222617" imgH="1138809" progId="">
+                <p:oleObj spid="_x0000_s50194" r:id="rId4" imgW="7222617" imgH="1138809" progId="">
                   <p:embed/>
                 </p:oleObj>
               </mc:Choice>
@@ -4639,7 +4635,7 @@
               <a:pPr>
                 <a:defRPr/>
               </a:pPr>
-              <a:t>2018/2/5</a:t>
+              <a:t>2019/7/16</a:t>
             </a:fld>
             <a:endParaRPr lang="zh-CN" altLang="en-US"/>
           </a:p>
@@ -4761,7 +4757,7 @@
               <a:pPr>
                 <a:defRPr/>
               </a:pPr>
-              <a:t>2018/2/5</a:t>
+              <a:t>2019/7/16</a:t>
             </a:fld>
             <a:endParaRPr lang="zh-CN" altLang="en-US"/>
           </a:p>
@@ -5063,7 +5059,7 @@
               <a:pPr>
                 <a:defRPr/>
               </a:pPr>
-              <a:t>2018/2/5</a:t>
+              <a:t>2019/7/16</a:t>
             </a:fld>
             <a:endParaRPr lang="zh-CN" altLang="en-US"/>
           </a:p>
@@ -5345,7 +5341,7 @@
               <a:pPr>
                 <a:defRPr/>
               </a:pPr>
-              <a:t>2018/2/5</a:t>
+              <a:t>2019/7/16</a:t>
             </a:fld>
             <a:endParaRPr lang="zh-CN" altLang="en-US"/>
           </a:p>
@@ -5692,7 +5688,7 @@
               <a:pPr>
                 <a:defRPr/>
               </a:pPr>
-              <a:t>2018/2/5</a:t>
+              <a:t>2019/7/16</a:t>
             </a:fld>
             <a:endParaRPr lang="zh-CN" altLang="en-US"/>
           </a:p>
@@ -5813,7 +5809,7 @@
           <a:graphicData uri="http://schemas.openxmlformats.org/presentationml/2006/ole">
             <mc:AlternateContent xmlns:mc="http://schemas.openxmlformats.org/markup-compatibility/2006">
               <mc:Choice xmlns:v="urn:schemas-microsoft-com:vml" Requires="v">
-                <p:oleObj spid="_x0000_s1050" r:id="rId16" imgW="7222617" imgH="1138809" progId="">
+                <p:oleObj spid="_x0000_s1051" r:id="rId16" imgW="7222617" imgH="1138809" progId="">
                   <p:embed/>
                 </p:oleObj>
               </mc:Choice>
@@ -6348,8 +6344,8 @@
           </a:p>
         </p:txBody>
       </p:sp>
-      <mc:AlternateContent xmlns:mc="http://schemas.openxmlformats.org/markup-compatibility/2006">
-        <mc:Choice xmlns:p14="http://schemas.microsoft.com/office/powerpoint/2010/main" Requires="p14">
+      <mc:AlternateContent xmlns:mc="http://schemas.openxmlformats.org/markup-compatibility/2006" xmlns:p14="http://schemas.microsoft.com/office/powerpoint/2010/main">
+        <mc:Choice Requires="p14">
           <p:contentPart p14:bwMode="auto" r:id="rId3">
             <p14:nvContentPartPr>
               <p14:cNvPr id="3" name="墨迹 2"/>
@@ -6362,7 +6358,7 @@
             </p14:xfrm>
           </p:contentPart>
         </mc:Choice>
-        <mc:Fallback>
+        <mc:Fallback xmlns="">
           <p:pic>
             <p:nvPicPr>
               <p:cNvPr id="3" name="墨迹 2"/>
@@ -9331,7 +9327,11 @@
             </a:pPr>
             <a:r>
               <a:rPr lang="zh-CN" altLang="en-US" dirty="0"/>
-              <a:t>学生记录教师联系方式</a:t>
+              <a:t>学生记录教师</a:t>
+            </a:r>
+            <a:r>
+              <a:rPr lang="zh-CN" altLang="en-US"/>
+              <a:t>联系方式 </a:t>
             </a:r>
             <a:endParaRPr lang="en-US" altLang="zh-CN" dirty="0"/>
           </a:p>
